--- a/PPT/NoteShare.pptx
+++ b/PPT/NoteShare.pptx
@@ -8372,19 +8372,55 @@
           </a:bodyPr>
           <a:lstStyle/>
           <a:p>
-            <a:pPr indent="0" lvl="0" marL="0" rtl="0" algn="l">
-              <a:spcBef>
-                <a:spcPts val="0"/>
-              </a:spcBef>
-              <a:spcAft>
-                <a:spcPts val="1600"/>
-              </a:spcAft>
-              <a:buNone/>
+            <a:pPr indent="-298450" lvl="0" marL="457200" rtl="0" algn="l">
+              <a:spcBef>
+                <a:spcPts val="0"/>
+              </a:spcBef>
+              <a:spcAft>
+                <a:spcPts val="0"/>
+              </a:spcAft>
+              <a:buSzPts val="1100"/>
+              <a:buAutoNum type="arabicPeriod"/>
             </a:pPr>
             <a:r>
-              <a:t/>
+              <a:rPr lang="en" sz="1100"/>
+              <a:t>The NoteShare application has been split into one part that handles all the writing and one that handles all the reading. This is usually done through Command and Query messages/objects.</a:t>
             </a:r>
-            <a:endParaRPr/>
+            <a:endParaRPr sz="1100"/>
+          </a:p>
+          <a:p>
+            <a:pPr indent="-298450" lvl="0" marL="457200" rtl="0" algn="l">
+              <a:spcBef>
+                <a:spcPts val="0"/>
+              </a:spcBef>
+              <a:spcAft>
+                <a:spcPts val="0"/>
+              </a:spcAft>
+              <a:buSzPts val="1100"/>
+              <a:buAutoNum type="arabicPeriod"/>
+            </a:pPr>
+            <a:r>
+              <a:rPr lang="en" sz="1100"/>
+              <a:t>Creating Notes: API interface receives the request and converts the payload  to a CommandMessage and passes it on to the responsible command handler. The handler creates an event, and then persists it to the eventlog. The eventbus is then notified of the event and publishes it to all listeners of that type of event.</a:t>
+            </a:r>
+            <a:endParaRPr sz="1100"/>
+          </a:p>
+          <a:p>
+            <a:pPr indent="-298450" lvl="0" marL="457200" rtl="0" algn="l">
+              <a:spcBef>
+                <a:spcPts val="0"/>
+              </a:spcBef>
+              <a:spcAft>
+                <a:spcPts val="0"/>
+              </a:spcAft>
+              <a:buSzPts val="1100"/>
+              <a:buAutoNum type="arabicPeriod"/>
+            </a:pPr>
+            <a:r>
+              <a:rPr lang="en" sz="1100"/>
+              <a:t>Reading Notes: API interface receives the request and handles the event using event handler. The JSON file for all the notes is read from the s3 bucket and rendered at client side. User is able to view all the notes.</a:t>
+            </a:r>
+            <a:endParaRPr sz="1100"/>
           </a:p>
         </p:txBody>
       </p:sp>
@@ -8537,6 +8573,285 @@
 </file>
 
 <file path=ppt/theme/theme1.xml><?xml version="1.0" encoding="utf-8"?>
+<a:theme xmlns:a="http://schemas.openxmlformats.org/drawingml/2006/main" xmlns:r="http://schemas.openxmlformats.org/officeDocument/2006/relationships">
+  <a:themeElements>
+    <a:clrScheme name="Default">
+      <a:dk1>
+        <a:srgbClr val="000000"/>
+      </a:dk1>
+      <a:lt1>
+        <a:srgbClr val="FFFFFF"/>
+      </a:lt1>
+      <a:dk2>
+        <a:srgbClr val="158158"/>
+      </a:dk2>
+      <a:lt2>
+        <a:srgbClr val="F3F3F3"/>
+      </a:lt2>
+      <a:accent1>
+        <a:srgbClr val="058DC7"/>
+      </a:accent1>
+      <a:accent2>
+        <a:srgbClr val="50B432"/>
+      </a:accent2>
+      <a:accent3>
+        <a:srgbClr val="ED561B"/>
+      </a:accent3>
+      <a:accent4>
+        <a:srgbClr val="EDEF00"/>
+      </a:accent4>
+      <a:accent5>
+        <a:srgbClr val="24CBE5"/>
+      </a:accent5>
+      <a:accent6>
+        <a:srgbClr val="64E572"/>
+      </a:accent6>
+      <a:hlink>
+        <a:srgbClr val="2200CC"/>
+      </a:hlink>
+      <a:folHlink>
+        <a:srgbClr val="551A8B"/>
+      </a:folHlink>
+    </a:clrScheme>
+    <a:fontScheme name="Office">
+      <a:majorFont>
+        <a:latin typeface="Arial"/>
+        <a:ea typeface=""/>
+        <a:cs typeface=""/>
+        <a:font script="Jpan" typeface="ＭＳ Ｐゴシック"/>
+        <a:font script="Hang" typeface="맑은 고딕"/>
+        <a:font script="Hans" typeface="宋体"/>
+        <a:font script="Hant" typeface="新細明體"/>
+        <a:font script="Arab" typeface="Times New Roman"/>
+        <a:font script="Hebr" typeface="Times New Roman"/>
+        <a:font script="Thai" typeface="Angsana New"/>
+        <a:font script="Ethi" typeface="Nyala"/>
+        <a:font script="Beng" typeface="Vrinda"/>
+        <a:font script="Gujr" typeface="Shruti"/>
+        <a:font script="Khmr" typeface="MoolBoran"/>
+        <a:font script="Knda" typeface="Tunga"/>
+        <a:font script="Guru" typeface="Raavi"/>
+        <a:font script="Cans" typeface="Euphemia"/>
+        <a:font script="Cher" typeface="Plantagenet Cherokee"/>
+        <a:font script="Yiii" typeface="Microsoft Yi Baiti"/>
+        <a:font script="Tibt" typeface="Microsoft Himalaya"/>
+        <a:font script="Thaa" typeface="MV Boli"/>
+        <a:font script="Deva" typeface="Mangal"/>
+        <a:font script="Telu" typeface="Gautami"/>
+        <a:font script="Taml" typeface="Latha"/>
+        <a:font script="Syrc" typeface="Estrangelo Edessa"/>
+        <a:font script="Orya" typeface="Kalinga"/>
+        <a:font script="Mlym" typeface="Kartika"/>
+        <a:font script="Laoo" typeface="DokChampa"/>
+        <a:font script="Sinh" typeface="Iskoola Pota"/>
+        <a:font script="Mong" typeface="Mongolian Baiti"/>
+        <a:font script="Viet" typeface="Times New Roman"/>
+        <a:font script="Uigh" typeface="Microsoft Uighur"/>
+        <a:font script="Geor" typeface="Sylfaen"/>
+      </a:majorFont>
+      <a:minorFont>
+        <a:latin typeface="Arial"/>
+        <a:ea typeface=""/>
+        <a:cs typeface=""/>
+        <a:font script="Jpan" typeface="ＭＳ Ｐゴシック"/>
+        <a:font script="Hang" typeface="맑은 고딕"/>
+        <a:font script="Hans" typeface="宋体"/>
+        <a:font script="Hant" typeface="新細明體"/>
+        <a:font script="Arab" typeface="Arial"/>
+        <a:font script="Hebr" typeface="Arial"/>
+        <a:font script="Thai" typeface="Cordia New"/>
+        <a:font script="Ethi" typeface="Nyala"/>
+        <a:font script="Beng" typeface="Vrinda"/>
+        <a:font script="Gujr" typeface="Shruti"/>
+        <a:font script="Khmr" typeface="DaunPenh"/>
+        <a:font script="Knda" typeface="Tunga"/>
+        <a:font script="Guru" typeface="Raavi"/>
+        <a:font script="Cans" typeface="Euphemia"/>
+        <a:font script="Cher" typeface="Plantagenet Cherokee"/>
+        <a:font script="Yiii" typeface="Microsoft Yi Baiti"/>
+        <a:font script="Tibt" typeface="Microsoft Himalaya"/>
+        <a:font script="Thaa" typeface="MV Boli"/>
+        <a:font script="Deva" typeface="Mangal"/>
+        <a:font script="Telu" typeface="Gautami"/>
+        <a:font script="Taml" typeface="Latha"/>
+        <a:font script="Syrc" typeface="Estrangelo Edessa"/>
+        <a:font script="Orya" typeface="Kalinga"/>
+        <a:font script="Mlym" typeface="Kartika"/>
+        <a:font script="Laoo" typeface="DokChampa"/>
+        <a:font script="Sinh" typeface="Iskoola Pota"/>
+        <a:font script="Mong" typeface="Mongolian Baiti"/>
+        <a:font script="Viet" typeface="Arial"/>
+        <a:font script="Uigh" typeface="Microsoft Uighur"/>
+        <a:font script="Geor" typeface="Sylfaen"/>
+      </a:minorFont>
+    </a:fontScheme>
+    <a:fmtScheme name="Office">
+      <a:fillStyleLst>
+        <a:solidFill>
+          <a:schemeClr val="phClr"/>
+        </a:solidFill>
+        <a:gradFill rotWithShape="1">
+          <a:gsLst>
+            <a:gs pos="0">
+              <a:schemeClr val="phClr">
+                <a:tint val="50000"/>
+                <a:satMod val="300000"/>
+              </a:schemeClr>
+            </a:gs>
+            <a:gs pos="35000">
+              <a:schemeClr val="phClr">
+                <a:tint val="37000"/>
+                <a:satMod val="300000"/>
+              </a:schemeClr>
+            </a:gs>
+            <a:gs pos="100000">
+              <a:schemeClr val="phClr">
+                <a:tint val="15000"/>
+                <a:satMod val="350000"/>
+              </a:schemeClr>
+            </a:gs>
+          </a:gsLst>
+          <a:lin ang="16200000" scaled="1"/>
+        </a:gradFill>
+        <a:gradFill rotWithShape="1">
+          <a:gsLst>
+            <a:gs pos="0">
+              <a:schemeClr val="phClr">
+                <a:tint val="100000"/>
+                <a:shade val="100000"/>
+                <a:satMod val="130000"/>
+              </a:schemeClr>
+            </a:gs>
+            <a:gs pos="100000">
+              <a:schemeClr val="phClr">
+                <a:tint val="50000"/>
+                <a:shade val="100000"/>
+                <a:satMod val="350000"/>
+              </a:schemeClr>
+            </a:gs>
+          </a:gsLst>
+          <a:lin ang="16200000" scaled="0"/>
+        </a:gradFill>
+      </a:fillStyleLst>
+      <a:lnStyleLst>
+        <a:ln w="9525" cap="flat" cmpd="sng" algn="ctr">
+          <a:solidFill>
+            <a:schemeClr val="phClr">
+              <a:shade val="95000"/>
+              <a:satMod val="105000"/>
+            </a:schemeClr>
+          </a:solidFill>
+          <a:prstDash val="solid"/>
+        </a:ln>
+        <a:ln w="25400" cap="flat" cmpd="sng" algn="ctr">
+          <a:solidFill>
+            <a:schemeClr val="phClr"/>
+          </a:solidFill>
+          <a:prstDash val="solid"/>
+        </a:ln>
+        <a:ln w="38100" cap="flat" cmpd="sng" algn="ctr">
+          <a:solidFill>
+            <a:schemeClr val="phClr"/>
+          </a:solidFill>
+          <a:prstDash val="solid"/>
+        </a:ln>
+      </a:lnStyleLst>
+      <a:effectStyleLst>
+        <a:effectStyle>
+          <a:effectLst>
+            <a:outerShdw blurRad="40000" dist="20000" dir="5400000" rotWithShape="0">
+              <a:srgbClr val="000000">
+                <a:alpha val="38000"/>
+              </a:srgbClr>
+            </a:outerShdw>
+          </a:effectLst>
+        </a:effectStyle>
+        <a:effectStyle>
+          <a:effectLst>
+            <a:outerShdw blurRad="40000" dist="23000" dir="5400000" rotWithShape="0">
+              <a:srgbClr val="000000">
+                <a:alpha val="35000"/>
+              </a:srgbClr>
+            </a:outerShdw>
+          </a:effectLst>
+        </a:effectStyle>
+        <a:effectStyle>
+          <a:effectLst>
+            <a:outerShdw blurRad="40000" dist="23000" dir="5400000" rotWithShape="0">
+              <a:srgbClr val="000000">
+                <a:alpha val="35000"/>
+              </a:srgbClr>
+            </a:outerShdw>
+          </a:effectLst>
+          <a:scene3d>
+            <a:camera prst="orthographicFront">
+              <a:rot lat="0" lon="0" rev="0"/>
+            </a:camera>
+            <a:lightRig rig="threePt" dir="t">
+              <a:rot lat="0" lon="0" rev="1200000"/>
+            </a:lightRig>
+          </a:scene3d>
+          <a:sp3d>
+            <a:bevelT w="63500" h="25400"/>
+          </a:sp3d>
+        </a:effectStyle>
+      </a:effectStyleLst>
+      <a:bgFillStyleLst>
+        <a:solidFill>
+          <a:schemeClr val="phClr"/>
+        </a:solidFill>
+        <a:gradFill rotWithShape="1">
+          <a:gsLst>
+            <a:gs pos="0">
+              <a:schemeClr val="phClr">
+                <a:tint val="40000"/>
+                <a:satMod val="350000"/>
+              </a:schemeClr>
+            </a:gs>
+            <a:gs pos="40000">
+              <a:schemeClr val="phClr">
+                <a:tint val="45000"/>
+                <a:shade val="99000"/>
+                <a:satMod val="350000"/>
+              </a:schemeClr>
+            </a:gs>
+            <a:gs pos="100000">
+              <a:schemeClr val="phClr">
+                <a:shade val="20000"/>
+                <a:satMod val="255000"/>
+              </a:schemeClr>
+            </a:gs>
+          </a:gsLst>
+          <a:path path="circle">
+            <a:fillToRect l="50000" t="-80000" r="50000" b="180000"/>
+          </a:path>
+        </a:gradFill>
+        <a:gradFill rotWithShape="1">
+          <a:gsLst>
+            <a:gs pos="0">
+              <a:schemeClr val="phClr">
+                <a:tint val="80000"/>
+                <a:satMod val="300000"/>
+              </a:schemeClr>
+            </a:gs>
+            <a:gs pos="100000">
+              <a:schemeClr val="phClr">
+                <a:shade val="30000"/>
+                <a:satMod val="200000"/>
+              </a:schemeClr>
+            </a:gs>
+          </a:gsLst>
+          <a:path path="circle">
+            <a:fillToRect l="50000" t="50000" r="50000" b="50000"/>
+          </a:path>
+        </a:gradFill>
+      </a:bgFillStyleLst>
+    </a:fmtScheme>
+  </a:themeElements>
+</a:theme>
+</file>
+
+<file path=ppt/theme/theme2.xml><?xml version="1.0" encoding="utf-8"?>
 <a:theme xmlns:a="http://schemas.openxmlformats.org/drawingml/2006/main" xmlns:r="http://schemas.openxmlformats.org/officeDocument/2006/relationships" name="Gameday">
   <a:themeElements>
     <a:clrScheme name="Gameday">
@@ -8813,283 +9128,4 @@
     </a:fmtScheme>
   </a:themeElements>
 </a:theme>
-</file>
-
-<file path=ppt/theme/theme2.xml><?xml version="1.0" encoding="utf-8"?>
-<a:theme xmlns:a="http://schemas.openxmlformats.org/drawingml/2006/main" xmlns:r="http://schemas.openxmlformats.org/officeDocument/2006/relationships">
-  <a:themeElements>
-    <a:clrScheme name="Default">
-      <a:dk1>
-        <a:srgbClr val="000000"/>
-      </a:dk1>
-      <a:lt1>
-        <a:srgbClr val="FFFFFF"/>
-      </a:lt1>
-      <a:dk2>
-        <a:srgbClr val="158158"/>
-      </a:dk2>
-      <a:lt2>
-        <a:srgbClr val="F3F3F3"/>
-      </a:lt2>
-      <a:accent1>
-        <a:srgbClr val="058DC7"/>
-      </a:accent1>
-      <a:accent2>
-        <a:srgbClr val="50B432"/>
-      </a:accent2>
-      <a:accent3>
-        <a:srgbClr val="ED561B"/>
-      </a:accent3>
-      <a:accent4>
-        <a:srgbClr val="EDEF00"/>
-      </a:accent4>
-      <a:accent5>
-        <a:srgbClr val="24CBE5"/>
-      </a:accent5>
-      <a:accent6>
-        <a:srgbClr val="64E572"/>
-      </a:accent6>
-      <a:hlink>
-        <a:srgbClr val="2200CC"/>
-      </a:hlink>
-      <a:folHlink>
-        <a:srgbClr val="551A8B"/>
-      </a:folHlink>
-    </a:clrScheme>
-    <a:fontScheme name="Office">
-      <a:majorFont>
-        <a:latin typeface="Arial"/>
-        <a:ea typeface=""/>
-        <a:cs typeface=""/>
-        <a:font script="Jpan" typeface="ＭＳ Ｐゴシック"/>
-        <a:font script="Hang" typeface="맑은 고딕"/>
-        <a:font script="Hans" typeface="宋体"/>
-        <a:font script="Hant" typeface="新細明體"/>
-        <a:font script="Arab" typeface="Times New Roman"/>
-        <a:font script="Hebr" typeface="Times New Roman"/>
-        <a:font script="Thai" typeface="Angsana New"/>
-        <a:font script="Ethi" typeface="Nyala"/>
-        <a:font script="Beng" typeface="Vrinda"/>
-        <a:font script="Gujr" typeface="Shruti"/>
-        <a:font script="Khmr" typeface="MoolBoran"/>
-        <a:font script="Knda" typeface="Tunga"/>
-        <a:font script="Guru" typeface="Raavi"/>
-        <a:font script="Cans" typeface="Euphemia"/>
-        <a:font script="Cher" typeface="Plantagenet Cherokee"/>
-        <a:font script="Yiii" typeface="Microsoft Yi Baiti"/>
-        <a:font script="Tibt" typeface="Microsoft Himalaya"/>
-        <a:font script="Thaa" typeface="MV Boli"/>
-        <a:font script="Deva" typeface="Mangal"/>
-        <a:font script="Telu" typeface="Gautami"/>
-        <a:font script="Taml" typeface="Latha"/>
-        <a:font script="Syrc" typeface="Estrangelo Edessa"/>
-        <a:font script="Orya" typeface="Kalinga"/>
-        <a:font script="Mlym" typeface="Kartika"/>
-        <a:font script="Laoo" typeface="DokChampa"/>
-        <a:font script="Sinh" typeface="Iskoola Pota"/>
-        <a:font script="Mong" typeface="Mongolian Baiti"/>
-        <a:font script="Viet" typeface="Times New Roman"/>
-        <a:font script="Uigh" typeface="Microsoft Uighur"/>
-        <a:font script="Geor" typeface="Sylfaen"/>
-      </a:majorFont>
-      <a:minorFont>
-        <a:latin typeface="Arial"/>
-        <a:ea typeface=""/>
-        <a:cs typeface=""/>
-        <a:font script="Jpan" typeface="ＭＳ Ｐゴシック"/>
-        <a:font script="Hang" typeface="맑은 고딕"/>
-        <a:font script="Hans" typeface="宋体"/>
-        <a:font script="Hant" typeface="新細明體"/>
-        <a:font script="Arab" typeface="Arial"/>
-        <a:font script="Hebr" typeface="Arial"/>
-        <a:font script="Thai" typeface="Cordia New"/>
-        <a:font script="Ethi" typeface="Nyala"/>
-        <a:font script="Beng" typeface="Vrinda"/>
-        <a:font script="Gujr" typeface="Shruti"/>
-        <a:font script="Khmr" typeface="DaunPenh"/>
-        <a:font script="Knda" typeface="Tunga"/>
-        <a:font script="Guru" typeface="Raavi"/>
-        <a:font script="Cans" typeface="Euphemia"/>
-        <a:font script="Cher" typeface="Plantagenet Cherokee"/>
-        <a:font script="Yiii" typeface="Microsoft Yi Baiti"/>
-        <a:font script="Tibt" typeface="Microsoft Himalaya"/>
-        <a:font script="Thaa" typeface="MV Boli"/>
-        <a:font script="Deva" typeface="Mangal"/>
-        <a:font script="Telu" typeface="Gautami"/>
-        <a:font script="Taml" typeface="Latha"/>
-        <a:font script="Syrc" typeface="Estrangelo Edessa"/>
-        <a:font script="Orya" typeface="Kalinga"/>
-        <a:font script="Mlym" typeface="Kartika"/>
-        <a:font script="Laoo" typeface="DokChampa"/>
-        <a:font script="Sinh" typeface="Iskoola Pota"/>
-        <a:font script="Mong" typeface="Mongolian Baiti"/>
-        <a:font script="Viet" typeface="Arial"/>
-        <a:font script="Uigh" typeface="Microsoft Uighur"/>
-        <a:font script="Geor" typeface="Sylfaen"/>
-      </a:minorFont>
-    </a:fontScheme>
-    <a:fmtScheme name="Office">
-      <a:fillStyleLst>
-        <a:solidFill>
-          <a:schemeClr val="phClr"/>
-        </a:solidFill>
-        <a:gradFill rotWithShape="1">
-          <a:gsLst>
-            <a:gs pos="0">
-              <a:schemeClr val="phClr">
-                <a:tint val="50000"/>
-                <a:satMod val="300000"/>
-              </a:schemeClr>
-            </a:gs>
-            <a:gs pos="35000">
-              <a:schemeClr val="phClr">
-                <a:tint val="37000"/>
-                <a:satMod val="300000"/>
-              </a:schemeClr>
-            </a:gs>
-            <a:gs pos="100000">
-              <a:schemeClr val="phClr">
-                <a:tint val="15000"/>
-                <a:satMod val="350000"/>
-              </a:schemeClr>
-            </a:gs>
-          </a:gsLst>
-          <a:lin ang="16200000" scaled="1"/>
-        </a:gradFill>
-        <a:gradFill rotWithShape="1">
-          <a:gsLst>
-            <a:gs pos="0">
-              <a:schemeClr val="phClr">
-                <a:tint val="100000"/>
-                <a:shade val="100000"/>
-                <a:satMod val="130000"/>
-              </a:schemeClr>
-            </a:gs>
-            <a:gs pos="100000">
-              <a:schemeClr val="phClr">
-                <a:tint val="50000"/>
-                <a:shade val="100000"/>
-                <a:satMod val="350000"/>
-              </a:schemeClr>
-            </a:gs>
-          </a:gsLst>
-          <a:lin ang="16200000" scaled="0"/>
-        </a:gradFill>
-      </a:fillStyleLst>
-      <a:lnStyleLst>
-        <a:ln w="9525" cap="flat" cmpd="sng" algn="ctr">
-          <a:solidFill>
-            <a:schemeClr val="phClr">
-              <a:shade val="95000"/>
-              <a:satMod val="105000"/>
-            </a:schemeClr>
-          </a:solidFill>
-          <a:prstDash val="solid"/>
-        </a:ln>
-        <a:ln w="25400" cap="flat" cmpd="sng" algn="ctr">
-          <a:solidFill>
-            <a:schemeClr val="phClr"/>
-          </a:solidFill>
-          <a:prstDash val="solid"/>
-        </a:ln>
-        <a:ln w="38100" cap="flat" cmpd="sng" algn="ctr">
-          <a:solidFill>
-            <a:schemeClr val="phClr"/>
-          </a:solidFill>
-          <a:prstDash val="solid"/>
-        </a:ln>
-      </a:lnStyleLst>
-      <a:effectStyleLst>
-        <a:effectStyle>
-          <a:effectLst>
-            <a:outerShdw blurRad="40000" dist="20000" dir="5400000" rotWithShape="0">
-              <a:srgbClr val="000000">
-                <a:alpha val="38000"/>
-              </a:srgbClr>
-            </a:outerShdw>
-          </a:effectLst>
-        </a:effectStyle>
-        <a:effectStyle>
-          <a:effectLst>
-            <a:outerShdw blurRad="40000" dist="23000" dir="5400000" rotWithShape="0">
-              <a:srgbClr val="000000">
-                <a:alpha val="35000"/>
-              </a:srgbClr>
-            </a:outerShdw>
-          </a:effectLst>
-        </a:effectStyle>
-        <a:effectStyle>
-          <a:effectLst>
-            <a:outerShdw blurRad="40000" dist="23000" dir="5400000" rotWithShape="0">
-              <a:srgbClr val="000000">
-                <a:alpha val="35000"/>
-              </a:srgbClr>
-            </a:outerShdw>
-          </a:effectLst>
-          <a:scene3d>
-            <a:camera prst="orthographicFront">
-              <a:rot lat="0" lon="0" rev="0"/>
-            </a:camera>
-            <a:lightRig rig="threePt" dir="t">
-              <a:rot lat="0" lon="0" rev="1200000"/>
-            </a:lightRig>
-          </a:scene3d>
-          <a:sp3d>
-            <a:bevelT w="63500" h="25400"/>
-          </a:sp3d>
-        </a:effectStyle>
-      </a:effectStyleLst>
-      <a:bgFillStyleLst>
-        <a:solidFill>
-          <a:schemeClr val="phClr"/>
-        </a:solidFill>
-        <a:gradFill rotWithShape="1">
-          <a:gsLst>
-            <a:gs pos="0">
-              <a:schemeClr val="phClr">
-                <a:tint val="40000"/>
-                <a:satMod val="350000"/>
-              </a:schemeClr>
-            </a:gs>
-            <a:gs pos="40000">
-              <a:schemeClr val="phClr">
-                <a:tint val="45000"/>
-                <a:shade val="99000"/>
-                <a:satMod val="350000"/>
-              </a:schemeClr>
-            </a:gs>
-            <a:gs pos="100000">
-              <a:schemeClr val="phClr">
-                <a:shade val="20000"/>
-                <a:satMod val="255000"/>
-              </a:schemeClr>
-            </a:gs>
-          </a:gsLst>
-          <a:path path="circle">
-            <a:fillToRect l="50000" t="-80000" r="50000" b="180000"/>
-          </a:path>
-        </a:gradFill>
-        <a:gradFill rotWithShape="1">
-          <a:gsLst>
-            <a:gs pos="0">
-              <a:schemeClr val="phClr">
-                <a:tint val="80000"/>
-                <a:satMod val="300000"/>
-              </a:schemeClr>
-            </a:gs>
-            <a:gs pos="100000">
-              <a:schemeClr val="phClr">
-                <a:shade val="30000"/>
-                <a:satMod val="200000"/>
-              </a:schemeClr>
-            </a:gs>
-          </a:gsLst>
-          <a:path path="circle">
-            <a:fillToRect l="50000" t="50000" r="50000" b="50000"/>
-          </a:path>
-        </a:gradFill>
-      </a:bgFillStyleLst>
-    </a:fmtScheme>
-  </a:themeElements>
-</a:theme>
 </file>